--- a/Statusreport.pptx
+++ b/Statusreport.pptx
@@ -10,7 +10,7 @@
   <p:sldIdLst>
     <p:sldId id="256" r:id="rId2"/>
     <p:sldId id="257" r:id="rId3"/>
-    <p:sldId id="261" r:id="rId4"/>
+    <p:sldId id="262" r:id="rId4"/>
     <p:sldId id="258" r:id="rId5"/>
     <p:sldId id="259" r:id="rId6"/>
     <p:sldId id="260" r:id="rId7"/>
@@ -4230,7 +4230,7 @@
           <a:p>
             <a:r>
               <a:rPr lang="de-DE" dirty="0" smtClean="0"/>
-              <a:t>„Kontinuum“</a:t>
+              <a:t>Vermietungsplattformen</a:t>
             </a:r>
             <a:endParaRPr lang="de-DE" dirty="0"/>
           </a:p>
@@ -4369,6 +4369,13 @@
   <p:clrMapOvr>
     <a:masterClrMapping/>
   </p:clrMapOvr>
+  <p:timing>
+    <p:tnLst>
+      <p:par>
+        <p:cTn id="1" dur="indefinite" restart="never" nodeType="tmRoot"/>
+      </p:par>
+    </p:tnLst>
+  </p:timing>
 </p:sld>
 </file>
 
@@ -4404,36 +4411,23 @@
           <a:bodyPr/>
           <a:lstStyle/>
           <a:p>
-            <a:endParaRPr lang="de-DE"/>
-          </a:p>
-        </p:txBody>
-      </p:sp>
-      <p:sp>
-        <p:nvSpPr>
-          <p:cNvPr id="3" name="Inhaltsplatzhalter 2"/>
-          <p:cNvSpPr>
-            <a:spLocks noGrp="1"/>
-          </p:cNvSpPr>
-          <p:nvPr>
-            <p:ph sz="quarter" idx="1"/>
-          </p:nvPr>
-        </p:nvSpPr>
-        <p:spPr/>
-        <p:txBody>
-          <a:bodyPr/>
-          <a:lstStyle/>
-          <a:p>
-            <a:endParaRPr lang="de-DE"/>
+            <a:r>
+              <a:rPr lang="de-DE" dirty="0" smtClean="0"/>
+              <a:t>Eigene Lösung</a:t>
+            </a:r>
+            <a:endParaRPr lang="de-DE" dirty="0"/>
           </a:p>
         </p:txBody>
       </p:sp>
       <p:pic>
         <p:nvPicPr>
-          <p:cNvPr id="1026" name="Picture 2" descr="D:\syncplicity\z003hkep\Documents\DHBW\4. Semester\Webengineering\ScreenshotKontinuum.PNG"/>
+          <p:cNvPr id="4" name="Picture 2" descr="D:\syncplicity\z003hkep\Documents\DHBW\4. Semester\Webengineering\ScreenshotKontinuum.PNG"/>
           <p:cNvPicPr>
-            <a:picLocks noChangeAspect="1" noChangeArrowheads="1"/>
+            <a:picLocks noGrp="1" noChangeAspect="1" noChangeArrowheads="1"/>
           </p:cNvPicPr>
-          <p:nvPr/>
+          <p:nvPr>
+            <p:ph sz="quarter" idx="1"/>
+          </p:nvPr>
         </p:nvPicPr>
         <p:blipFill>
           <a:blip r:embed="rId2">
@@ -4450,8 +4444,8 @@
         </p:blipFill>
         <p:spPr bwMode="auto">
           <a:xfrm>
-            <a:off x="-39541" y="1844824"/>
-            <a:ext cx="9169905" cy="3446636"/>
+            <a:off x="-25013" y="1916832"/>
+            <a:ext cx="9195841" cy="3456384"/>
           </a:xfrm>
           <a:prstGeom prst="rect">
             <a:avLst/>
@@ -4471,7 +4465,7 @@
     </p:spTree>
     <p:extLst>
       <p:ext uri="{BB962C8B-B14F-4D97-AF65-F5344CB8AC3E}">
-        <p14:creationId xmlns:p14="http://schemas.microsoft.com/office/powerpoint/2010/main" val="759462332"/>
+        <p14:creationId xmlns:p14="http://schemas.microsoft.com/office/powerpoint/2010/main" val="3255701307"/>
       </p:ext>
     </p:extLst>
   </p:cSld>
@@ -4660,6 +4654,13 @@
   <p:clrMapOvr>
     <a:masterClrMapping/>
   </p:clrMapOvr>
+  <p:timing>
+    <p:tnLst>
+      <p:par>
+        <p:cTn id="1" dur="indefinite" restart="never" nodeType="tmRoot"/>
+      </p:par>
+    </p:tnLst>
+  </p:timing>
 </p:sld>
 </file>
 
@@ -4736,7 +4737,13 @@
           <a:p>
             <a:r>
               <a:rPr lang="de-DE" dirty="0" smtClean="0"/>
-              <a:t>Filter und Stadtteilkarte implementieren</a:t>
+              <a:t>Wohnungsfilter und Stadtteilkarte implementieren</a:t>
+            </a:r>
+          </a:p>
+          <a:p>
+            <a:r>
+              <a:rPr lang="de-DE" dirty="0" smtClean="0"/>
+              <a:t>Erstes Sicherheitskonzept erstellen</a:t>
             </a:r>
             <a:endParaRPr lang="de-DE" dirty="0" smtClean="0"/>
           </a:p>
@@ -4755,6 +4762,13 @@
   <p:clrMapOvr>
     <a:masterClrMapping/>
   </p:clrMapOvr>
+  <p:timing>
+    <p:tnLst>
+      <p:par>
+        <p:cTn id="1" dur="indefinite" restart="never" nodeType="tmRoot"/>
+      </p:par>
+    </p:tnLst>
+  </p:timing>
 </p:sld>
 </file>
 
@@ -4805,7 +4819,7 @@
               <a:buChar char="-"/>
             </a:pPr>
             <a:r>
-              <a:rPr lang="de-DE" smtClean="0"/>
+              <a:rPr lang="de-DE" dirty="0" smtClean="0"/>
               <a:t>Arbeitsaufwand steigern</a:t>
             </a:r>
             <a:endParaRPr lang="de-DE" dirty="0"/>
